--- a/internet-security/arch-sec.pptx
+++ b/internet-security/arch-sec.pptx
@@ -555,7 +555,7 @@
           <a:p>
             <a:fld id="{81B7EE3F-0E40-4E46-B38A-161A7323B428}" type="datetimeFigureOut">
               <a:rPr lang="en-US" smtClean="0"/>
-              <a:t>2/27/20</a:t>
+              <a:t>8/22/22</a:t>
             </a:fld>
             <a:endParaRPr lang="en-US"/>
           </a:p>
@@ -21882,15 +21882,15 @@
           <a:p>
             <a:r>
               <a:rPr lang="zh-CN" altLang="en-US" dirty="0"/>
-              <a:t>参考秋季学期“网络与信息安全课程”中</a:t>
+              <a:t>后面会学习</a:t>
             </a:r>
             <a:r>
               <a:rPr lang="en-US" altLang="zh-CN" dirty="0"/>
               <a:t>DDoS</a:t>
             </a:r>
             <a:r>
-              <a:rPr lang="zh-CN" altLang="en-US" dirty="0"/>
-              <a:t>部分</a:t>
+              <a:rPr lang="zh-CN" altLang="en-US"/>
+              <a:t>相关内容</a:t>
             </a:r>
             <a:endParaRPr lang="en-US" altLang="zh-CN" dirty="0"/>
           </a:p>

--- a/internet-security/arch-sec.pptx
+++ b/internet-security/arch-sec.pptx
@@ -555,7 +555,7 @@
           <a:p>
             <a:fld id="{81B7EE3F-0E40-4E46-B38A-161A7323B428}" type="datetimeFigureOut">
               <a:rPr lang="en-US" smtClean="0"/>
-              <a:t>8/22/22</a:t>
+              <a:t>8/25/22</a:t>
             </a:fld>
             <a:endParaRPr lang="en-US"/>
           </a:p>
